--- a/Documentação/Extintor-Automatico-Contra-Incendio-em-Quadros-Eletricos.pptx
+++ b/Documentação/Extintor-Automatico-Contra-Incendio-em-Quadros-Eletricos.pptx
@@ -1366,7 +1366,51 @@
                 <a:ea typeface="Dela Gothic One" pitchFamily="34" charset="-122"/>
                 <a:cs typeface="Dela Gothic One" pitchFamily="34" charset="-120"/>
               </a:rPr>
-              <a:t>Por que Usar um Extintor Automático?</a:t>
+              <a:t>Por que Usar um </a:t>
+            </a:r>
+            <a:r>
+              <a:rPr lang="en-US" sz="4374" dirty="0" err="1">
+                <a:solidFill>
+                  <a:srgbClr val="FAEBEB"/>
+                </a:solidFill>
+                <a:latin typeface="Dela Gothic One" pitchFamily="34" charset="0"/>
+                <a:ea typeface="Dela Gothic One" pitchFamily="34" charset="-122"/>
+                <a:cs typeface="Dela Gothic One" pitchFamily="34" charset="-120"/>
+              </a:rPr>
+              <a:t>Extintor</a:t>
+            </a:r>
+            <a:r>
+              <a:rPr lang="en-US" sz="4374" dirty="0">
+                <a:solidFill>
+                  <a:srgbClr val="FAEBEB"/>
+                </a:solidFill>
+                <a:latin typeface="Dela Gothic One" pitchFamily="34" charset="0"/>
+                <a:ea typeface="Dela Gothic One" pitchFamily="34" charset="-122"/>
+                <a:cs typeface="Dela Gothic One" pitchFamily="34" charset="-120"/>
+              </a:rPr>
+              <a:t> </a:t>
+            </a:r>
+            <a:r>
+              <a:rPr lang="en-US" sz="4374" dirty="0" err="1">
+                <a:solidFill>
+                  <a:srgbClr val="FAEBEB"/>
+                </a:solidFill>
+                <a:latin typeface="Dela Gothic One" pitchFamily="34" charset="0"/>
+                <a:ea typeface="Dela Gothic One" pitchFamily="34" charset="-122"/>
+                <a:cs typeface="Dela Gothic One" pitchFamily="34" charset="-120"/>
+              </a:rPr>
+              <a:t>Automático</a:t>
+            </a:r>
+            <a:r>
+              <a:rPr lang="en-US" sz="4374" dirty="0">
+                <a:solidFill>
+                  <a:srgbClr val="FAEBEB"/>
+                </a:solidFill>
+                <a:latin typeface="Dela Gothic One" pitchFamily="34" charset="0"/>
+                <a:ea typeface="Dela Gothic One" pitchFamily="34" charset="-122"/>
+                <a:cs typeface="Dela Gothic One" pitchFamily="34" charset="-120"/>
+              </a:rPr>
+              <a:t>?</a:t>
             </a:r>
             <a:endParaRPr lang="en-US" sz="4374" dirty="0"/>
           </a:p>
@@ -1888,7 +1932,7 @@
         </p:nvSpPr>
         <p:spPr>
           <a:xfrm>
-            <a:off x="0" y="0"/>
+            <a:off x="-17026" y="-714"/>
             <a:ext cx="14630400" cy="8230314"/>
           </a:xfrm>
           <a:prstGeom prst="rect">
@@ -1901,6 +1945,13 @@
           </a:solidFill>
           <a:ln/>
         </p:spPr>
+        <p:txBody>
+          <a:bodyPr/>
+          <a:lstStyle/>
+          <a:p>
+            <a:endParaRPr lang="pt-BR" dirty="0"/>
+          </a:p>
+        </p:txBody>
       </p:sp>
       <p:pic>
         <p:nvPicPr>
@@ -2047,7 +2098,7 @@
         </p:nvSpPr>
         <p:spPr>
           <a:xfrm>
-            <a:off x="5084326" y="5668744"/>
+            <a:off x="5084326" y="5626447"/>
             <a:ext cx="149185" cy="317063"/>
           </a:xfrm>
           <a:prstGeom prst="rect">
@@ -2222,7 +2273,7 @@
         </p:nvSpPr>
         <p:spPr>
           <a:xfrm>
-            <a:off x="7209234" y="5668744"/>
+            <a:off x="7209234" y="5626449"/>
             <a:ext cx="211812" cy="317063"/>
           </a:xfrm>
           <a:prstGeom prst="rect">
@@ -2348,8 +2399,8 @@
         </p:nvSpPr>
         <p:spPr>
           <a:xfrm>
-            <a:off x="9454396" y="5235476"/>
-            <a:ext cx="33814" cy="591860"/>
+            <a:off x="9454395" y="5331618"/>
+            <a:ext cx="45719" cy="495717"/>
           </a:xfrm>
           <a:prstGeom prst="roundRect">
             <a:avLst>
@@ -2397,7 +2448,7 @@
         </p:nvSpPr>
         <p:spPr>
           <a:xfrm>
-            <a:off x="9359622" y="5668744"/>
+            <a:off x="9365456" y="5626448"/>
             <a:ext cx="223480" cy="317063"/>
           </a:xfrm>
           <a:prstGeom prst="rect">
@@ -3243,7 +3294,7 @@
               <a:buNone/>
             </a:pPr>
             <a:r>
-              <a:rPr lang="en-US" sz="1750" dirty="0">
+              <a:rPr lang="en-US" sz="1750" dirty="0" err="1">
                 <a:solidFill>
                   <a:srgbClr val="FFE5E5"/>
                 </a:solidFill>
@@ -3251,7 +3302,40 @@
                 <a:ea typeface="DM Sans" pitchFamily="34" charset="-122"/>
                 <a:cs typeface="DM Sans" pitchFamily="34" charset="-120"/>
               </a:rPr>
-              <a:t>Mecanismo eletrônico que libera o agente extintor quando os sensores detectam um incêndio.</a:t>
+              <a:t>Mecanismo</a:t>
+            </a:r>
+            <a:r>
+              <a:rPr lang="en-US" sz="1750" dirty="0">
+                <a:solidFill>
+                  <a:srgbClr val="FFE5E5"/>
+                </a:solidFill>
+                <a:latin typeface="DM Sans" pitchFamily="34" charset="0"/>
+                <a:ea typeface="DM Sans" pitchFamily="34" charset="-122"/>
+                <a:cs typeface="DM Sans" pitchFamily="34" charset="-120"/>
+              </a:rPr>
+              <a:t> </a:t>
+            </a:r>
+            <a:r>
+              <a:rPr lang="en-US" sz="1750" dirty="0" err="1">
+                <a:solidFill>
+                  <a:srgbClr val="FFE5E5"/>
+                </a:solidFill>
+                <a:latin typeface="DM Sans" pitchFamily="34" charset="0"/>
+                <a:ea typeface="DM Sans" pitchFamily="34" charset="-122"/>
+                <a:cs typeface="DM Sans" pitchFamily="34" charset="-120"/>
+              </a:rPr>
+              <a:t>eletromecânico</a:t>
+            </a:r>
+            <a:r>
+              <a:rPr lang="en-US" sz="1750" dirty="0">
+                <a:solidFill>
+                  <a:srgbClr val="FFE5E5"/>
+                </a:solidFill>
+                <a:latin typeface="DM Sans" pitchFamily="34" charset="0"/>
+                <a:ea typeface="DM Sans" pitchFamily="34" charset="-122"/>
+                <a:cs typeface="DM Sans" pitchFamily="34" charset="-120"/>
+              </a:rPr>
+              <a:t> que libera o agente extintor quando os sensores detectam um incêndio.</a:t>
             </a:r>
             <a:endParaRPr lang="en-US" sz="1750" dirty="0"/>
           </a:p>
